--- a/New-Microsoft-PowerPoint-Presentation.pptx
+++ b/New-Microsoft-PowerPoint-Presentation.pptx
@@ -113,6 +113,11 @@
       </a:defRPr>
     </a:lvl9pPr>
   </p:defaultTextStyle>
+  <p:extLst>
+    <p:ext uri="{EFAFB233-063F-42B5-8137-9DF3F51BA10A}">
+      <p15:sldGuideLst xmlns:p15="http://schemas.microsoft.com/office/powerpoint/2012/main"/>
+    </p:ext>
+  </p:extLst>
 </p:presentation>
 </file>
 
@@ -618,7 +623,7 @@
           <a:p>
             <a:fld id="{5648BAD9-ECEA-4D9B-AD10-C01ED5B12540}" type="datetimeFigureOut">
               <a:rPr lang="en-US" smtClean="0"/>
-              <a:t>5/29/2025</a:t>
+              <a:t>5/30/2025</a:t>
             </a:fld>
             <a:endParaRPr lang="en-US"/>
           </a:p>
@@ -914,7 +919,7 @@
           <a:p>
             <a:fld id="{5648BAD9-ECEA-4D9B-AD10-C01ED5B12540}" type="datetimeFigureOut">
               <a:rPr lang="en-US" smtClean="0"/>
-              <a:t>5/29/2025</a:t>
+              <a:t>5/30/2025</a:t>
             </a:fld>
             <a:endParaRPr lang="en-US"/>
           </a:p>
@@ -1162,7 +1167,7 @@
           <a:p>
             <a:fld id="{5648BAD9-ECEA-4D9B-AD10-C01ED5B12540}" type="datetimeFigureOut">
               <a:rPr lang="en-US" smtClean="0"/>
-              <a:t>5/29/2025</a:t>
+              <a:t>5/30/2025</a:t>
             </a:fld>
             <a:endParaRPr lang="en-US"/>
           </a:p>
@@ -1702,7 +1707,7 @@
           <a:p>
             <a:fld id="{5648BAD9-ECEA-4D9B-AD10-C01ED5B12540}" type="datetimeFigureOut">
               <a:rPr lang="en-US" smtClean="0"/>
-              <a:t>5/29/2025</a:t>
+              <a:t>5/30/2025</a:t>
             </a:fld>
             <a:endParaRPr lang="en-US"/>
           </a:p>
@@ -1950,7 +1955,7 @@
           <a:p>
             <a:fld id="{5648BAD9-ECEA-4D9B-AD10-C01ED5B12540}" type="datetimeFigureOut">
               <a:rPr lang="en-US" smtClean="0"/>
-              <a:t>5/29/2025</a:t>
+              <a:t>5/30/2025</a:t>
             </a:fld>
             <a:endParaRPr lang="en-US"/>
           </a:p>
@@ -2482,7 +2487,7 @@
           <a:p>
             <a:fld id="{5648BAD9-ECEA-4D9B-AD10-C01ED5B12540}" type="datetimeFigureOut">
               <a:rPr lang="en-US" smtClean="0"/>
-              <a:t>5/29/2025</a:t>
+              <a:t>5/30/2025</a:t>
             </a:fld>
             <a:endParaRPr lang="en-US"/>
           </a:p>
@@ -2779,7 +2784,7 @@
           <a:p>
             <a:fld id="{5648BAD9-ECEA-4D9B-AD10-C01ED5B12540}" type="datetimeFigureOut">
               <a:rPr lang="en-US" smtClean="0"/>
-              <a:t>5/29/2025</a:t>
+              <a:t>5/30/2025</a:t>
             </a:fld>
             <a:endParaRPr lang="en-US"/>
           </a:p>
@@ -2953,7 +2958,7 @@
           <a:p>
             <a:fld id="{5648BAD9-ECEA-4D9B-AD10-C01ED5B12540}" type="datetimeFigureOut">
               <a:rPr lang="en-US" smtClean="0"/>
-              <a:t>5/29/2025</a:t>
+              <a:t>5/30/2025</a:t>
             </a:fld>
             <a:endParaRPr lang="en-US"/>
           </a:p>
@@ -3133,7 +3138,7 @@
           <a:p>
             <a:fld id="{5648BAD9-ECEA-4D9B-AD10-C01ED5B12540}" type="datetimeFigureOut">
               <a:rPr lang="en-US" smtClean="0"/>
-              <a:t>5/29/2025</a:t>
+              <a:t>5/30/2025</a:t>
             </a:fld>
             <a:endParaRPr lang="en-US"/>
           </a:p>
@@ -3303,7 +3308,7 @@
           <a:p>
             <a:fld id="{5648BAD9-ECEA-4D9B-AD10-C01ED5B12540}" type="datetimeFigureOut">
               <a:rPr lang="en-US" smtClean="0"/>
-              <a:t>5/29/2025</a:t>
+              <a:t>5/30/2025</a:t>
             </a:fld>
             <a:endParaRPr lang="en-US"/>
           </a:p>
@@ -3554,7 +3559,7 @@
           <a:p>
             <a:fld id="{5648BAD9-ECEA-4D9B-AD10-C01ED5B12540}" type="datetimeFigureOut">
               <a:rPr lang="en-US" smtClean="0"/>
-              <a:t>5/29/2025</a:t>
+              <a:t>5/30/2025</a:t>
             </a:fld>
             <a:endParaRPr lang="en-US"/>
           </a:p>
@@ -3851,7 +3856,7 @@
           <a:p>
             <a:fld id="{5648BAD9-ECEA-4D9B-AD10-C01ED5B12540}" type="datetimeFigureOut">
               <a:rPr lang="en-US" smtClean="0"/>
-              <a:t>5/29/2025</a:t>
+              <a:t>5/30/2025</a:t>
             </a:fld>
             <a:endParaRPr lang="en-US"/>
           </a:p>
@@ -4293,7 +4298,7 @@
           <a:p>
             <a:fld id="{5648BAD9-ECEA-4D9B-AD10-C01ED5B12540}" type="datetimeFigureOut">
               <a:rPr lang="en-US" smtClean="0"/>
-              <a:t>5/29/2025</a:t>
+              <a:t>5/30/2025</a:t>
             </a:fld>
             <a:endParaRPr lang="en-US"/>
           </a:p>
@@ -4411,7 +4416,7 @@
           <a:p>
             <a:fld id="{5648BAD9-ECEA-4D9B-AD10-C01ED5B12540}" type="datetimeFigureOut">
               <a:rPr lang="en-US" smtClean="0"/>
-              <a:t>5/29/2025</a:t>
+              <a:t>5/30/2025</a:t>
             </a:fld>
             <a:endParaRPr lang="en-US"/>
           </a:p>
@@ -4506,7 +4511,7 @@
           <a:p>
             <a:fld id="{5648BAD9-ECEA-4D9B-AD10-C01ED5B12540}" type="datetimeFigureOut">
               <a:rPr lang="en-US" smtClean="0"/>
-              <a:t>5/29/2025</a:t>
+              <a:t>5/30/2025</a:t>
             </a:fld>
             <a:endParaRPr lang="en-US"/>
           </a:p>
@@ -4789,7 +4794,7 @@
           <a:p>
             <a:fld id="{5648BAD9-ECEA-4D9B-AD10-C01ED5B12540}" type="datetimeFigureOut">
               <a:rPr lang="en-US" smtClean="0"/>
-              <a:t>5/29/2025</a:t>
+              <a:t>5/30/2025</a:t>
             </a:fld>
             <a:endParaRPr lang="en-US"/>
           </a:p>
@@ -5080,7 +5085,7 @@
           <a:p>
             <a:fld id="{5648BAD9-ECEA-4D9B-AD10-C01ED5B12540}" type="datetimeFigureOut">
               <a:rPr lang="en-US" smtClean="0"/>
-              <a:t>5/29/2025</a:t>
+              <a:t>5/30/2025</a:t>
             </a:fld>
             <a:endParaRPr lang="en-US"/>
           </a:p>
@@ -5610,7 +5615,7 @@
           <a:p>
             <a:fld id="{5648BAD9-ECEA-4D9B-AD10-C01ED5B12540}" type="datetimeFigureOut">
               <a:rPr lang="en-US" smtClean="0"/>
-              <a:t>5/29/2025</a:t>
+              <a:t>5/30/2025</a:t>
             </a:fld>
             <a:endParaRPr lang="en-US"/>
           </a:p>
@@ -6227,7 +6232,7 @@
                 <a:latin typeface="Times New Roman" panose="02020603050405020304" pitchFamily="18" charset="0"/>
                 <a:cs typeface="Times New Roman" panose="02020603050405020304" pitchFamily="18" charset="0"/>
               </a:rPr>
-              <a:t>Projekta atliko: Deividas Adomavičius,</a:t>
+              <a:t>Projekta atliko: Deividas Adomavičius</a:t>
             </a:r>
           </a:p>
           <a:p>
@@ -6236,7 +6241,7 @@
                 <a:latin typeface="Times New Roman" panose="02020603050405020304" pitchFamily="18" charset="0"/>
                 <a:cs typeface="Times New Roman" panose="02020603050405020304" pitchFamily="18" charset="0"/>
               </a:rPr>
-              <a:t>					      Martynas Meška, </a:t>
+              <a:t>					      Martynas Meška </a:t>
             </a:r>
           </a:p>
           <a:p>
@@ -6381,13 +6386,13 @@
   <p:clrMapOvr>
     <a:masterClrMapping/>
   </p:clrMapOvr>
-  <mc:AlternateContent xmlns:mc="http://schemas.openxmlformats.org/markup-compatibility/2006">
-    <mc:Choice xmlns:p159="http://schemas.microsoft.com/office/powerpoint/2015/09/main" Requires="p159">
+  <mc:AlternateContent xmlns:mc="http://schemas.openxmlformats.org/markup-compatibility/2006" xmlns:p159="http://schemas.microsoft.com/office/powerpoint/2015/09/main">
+    <mc:Choice Requires="p159">
       <p:transition xmlns:p14="http://schemas.microsoft.com/office/powerpoint/2010/main" spd="slow" p14:dur="2000">
         <p159:morph option="byObject"/>
       </p:transition>
     </mc:Choice>
-    <mc:Fallback>
+    <mc:Fallback xmlns="">
       <p:transition spd="slow">
         <p:fade/>
       </p:transition>
@@ -6567,13 +6572,13 @@
   <p:clrMapOvr>
     <a:masterClrMapping/>
   </p:clrMapOvr>
-  <mc:AlternateContent xmlns:mc="http://schemas.openxmlformats.org/markup-compatibility/2006">
-    <mc:Choice xmlns:p14="http://schemas.microsoft.com/office/powerpoint/2010/main" Requires="p14">
+  <mc:AlternateContent xmlns:mc="http://schemas.openxmlformats.org/markup-compatibility/2006" xmlns:p14="http://schemas.microsoft.com/office/powerpoint/2010/main">
+    <mc:Choice Requires="p14">
       <p:transition spd="med" p14:dur="700">
         <p:fade/>
       </p:transition>
     </mc:Choice>
-    <mc:Fallback>
+    <mc:Fallback xmlns="">
       <p:transition spd="med">
         <p:fade/>
       </p:transition>
@@ -6919,13 +6924,13 @@
   <p:clrMapOvr>
     <a:masterClrMapping/>
   </p:clrMapOvr>
-  <mc:AlternateContent xmlns:mc="http://schemas.openxmlformats.org/markup-compatibility/2006">
-    <mc:Choice xmlns:p14="http://schemas.microsoft.com/office/powerpoint/2010/main" Requires="p14">
+  <mc:AlternateContent xmlns:mc="http://schemas.openxmlformats.org/markup-compatibility/2006" xmlns:p14="http://schemas.microsoft.com/office/powerpoint/2010/main">
+    <mc:Choice Requires="p14">
       <p:transition spd="slow" p14:dur="1500">
         <p:split orient="vert"/>
       </p:transition>
     </mc:Choice>
-    <mc:Fallback>
+    <mc:Fallback xmlns="">
       <p:transition spd="slow">
         <p:split orient="vert"/>
       </p:transition>
@@ -7052,13 +7057,13 @@
   <p:clrMapOvr>
     <a:masterClrMapping/>
   </p:clrMapOvr>
-  <mc:AlternateContent xmlns:mc="http://schemas.openxmlformats.org/markup-compatibility/2006">
-    <mc:Choice xmlns:p14="http://schemas.microsoft.com/office/powerpoint/2010/main" Requires="p14">
+  <mc:AlternateContent xmlns:mc="http://schemas.openxmlformats.org/markup-compatibility/2006" xmlns:p14="http://schemas.microsoft.com/office/powerpoint/2010/main">
+    <mc:Choice Requires="p14">
       <p:transition p14:dur="100">
         <p:cut/>
       </p:transition>
     </mc:Choice>
-    <mc:Fallback>
+    <mc:Fallback xmlns="">
       <p:transition>
         <p:cut/>
       </p:transition>
@@ -7190,7 +7195,55 @@
                 <a:ea typeface="Times New Roman" panose="02020603050405020304" pitchFamily="18" charset="0"/>
                 <a:cs typeface="Times New Roman" panose="02020603050405020304" pitchFamily="18" charset="0"/>
               </a:rPr>
-              <a:t>Porgramvimo kalbos: HTML,CSS, JavaScript, PHP</a:t>
+              <a:t>P</a:t>
+            </a:r>
+            <a:r>
+              <a:rPr lang="en-US" sz="2000" dirty="0" err="1">
+                <a:solidFill>
+                  <a:srgbClr val="000000"/>
+                </a:solidFill>
+                <a:effectLst/>
+                <a:latin typeface="Times New Roman" panose="02020603050405020304" pitchFamily="18" charset="0"/>
+                <a:ea typeface="Times New Roman" panose="02020603050405020304" pitchFamily="18" charset="0"/>
+                <a:cs typeface="Times New Roman" panose="02020603050405020304" pitchFamily="18" charset="0"/>
+              </a:rPr>
+              <a:t>ro</a:t>
+            </a:r>
+            <a:r>
+              <a:rPr lang="lt-LT" sz="2000" dirty="0">
+                <a:solidFill>
+                  <a:srgbClr val="000000"/>
+                </a:solidFill>
+                <a:effectLst/>
+                <a:latin typeface="Times New Roman" panose="02020603050405020304" pitchFamily="18" charset="0"/>
+                <a:ea typeface="Times New Roman" panose="02020603050405020304" pitchFamily="18" charset="0"/>
+                <a:cs typeface="Times New Roman" panose="02020603050405020304" pitchFamily="18" charset="0"/>
+              </a:rPr>
+              <a:t>gram</a:t>
+            </a:r>
+            <a:r>
+              <a:rPr lang="en-US" sz="2000" dirty="0">
+                <a:solidFill>
+                  <a:srgbClr val="000000"/>
+                </a:solidFill>
+                <a:effectLst/>
+                <a:latin typeface="Times New Roman" panose="02020603050405020304" pitchFamily="18" charset="0"/>
+                <a:ea typeface="Times New Roman" panose="02020603050405020304" pitchFamily="18" charset="0"/>
+                <a:cs typeface="Times New Roman" panose="02020603050405020304" pitchFamily="18" charset="0"/>
+              </a:rPr>
+              <a:t>a</a:t>
+            </a:r>
+            <a:r>
+              <a:rPr lang="lt-LT" sz="2000" dirty="0">
+                <a:solidFill>
+                  <a:srgbClr val="000000"/>
+                </a:solidFill>
+                <a:effectLst/>
+                <a:latin typeface="Times New Roman" panose="02020603050405020304" pitchFamily="18" charset="0"/>
+                <a:ea typeface="Times New Roman" panose="02020603050405020304" pitchFamily="18" charset="0"/>
+                <a:cs typeface="Times New Roman" panose="02020603050405020304" pitchFamily="18" charset="0"/>
+              </a:rPr>
+              <a:t>vimo kalbos: HTML,CSS, JavaScript, PHP</a:t>
             </a:r>
             <a:endParaRPr lang="en-US" sz="2000" dirty="0">
               <a:effectLst/>
@@ -7241,6 +7294,44 @@
                 <a:cs typeface="Times New Roman" panose="02020603050405020304" pitchFamily="18" charset="0"/>
               </a:rPr>
               <a:t>Testavimui: Chrome DevTools, console</a:t>
+            </a:r>
+            <a:endParaRPr lang="en-US" sz="2000" dirty="0">
+              <a:solidFill>
+                <a:srgbClr val="000000"/>
+              </a:solidFill>
+              <a:effectLst/>
+              <a:latin typeface="Times New Roman" panose="02020603050405020304" pitchFamily="18" charset="0"/>
+              <a:ea typeface="Times New Roman" panose="02020603050405020304" pitchFamily="18" charset="0"/>
+              <a:cs typeface="Times New Roman" panose="02020603050405020304" pitchFamily="18" charset="0"/>
+            </a:endParaRPr>
+          </a:p>
+          <a:p>
+            <a:pPr algn="just">
+              <a:lnSpc>
+                <a:spcPct val="150000"/>
+              </a:lnSpc>
+            </a:pPr>
+            <a:r>
+              <a:rPr lang="en-US" sz="2000" dirty="0">
+                <a:solidFill>
+                  <a:srgbClr val="000000"/>
+                </a:solidFill>
+                <a:latin typeface="Times New Roman" panose="02020603050405020304" pitchFamily="18" charset="0"/>
+                <a:ea typeface="Times New Roman" panose="02020603050405020304" pitchFamily="18" charset="0"/>
+                <a:cs typeface="Times New Roman" panose="02020603050405020304" pitchFamily="18" charset="0"/>
+              </a:rPr>
+              <a:t>El. Lai</a:t>
+            </a:r>
+            <a:r>
+              <a:rPr lang="lt-LT" sz="2000" dirty="0">
+                <a:solidFill>
+                  <a:srgbClr val="000000"/>
+                </a:solidFill>
+                <a:latin typeface="Times New Roman" panose="02020603050405020304" pitchFamily="18" charset="0"/>
+                <a:ea typeface="Times New Roman" panose="02020603050405020304" pitchFamily="18" charset="0"/>
+                <a:cs typeface="Times New Roman" panose="02020603050405020304" pitchFamily="18" charset="0"/>
+              </a:rPr>
+              <a:t>škų siuntimui: Google SMTP</a:t>
             </a:r>
             <a:endParaRPr lang="en-US" sz="2000" dirty="0">
               <a:effectLst/>
@@ -7264,13 +7355,13 @@
   <p:clrMapOvr>
     <a:masterClrMapping/>
   </p:clrMapOvr>
-  <mc:AlternateContent xmlns:mc="http://schemas.openxmlformats.org/markup-compatibility/2006">
-    <mc:Choice xmlns:p14="http://schemas.microsoft.com/office/powerpoint/2010/main" Requires="p14">
+  <mc:AlternateContent xmlns:mc="http://schemas.openxmlformats.org/markup-compatibility/2006" xmlns:p14="http://schemas.microsoft.com/office/powerpoint/2010/main">
+    <mc:Choice Requires="p14">
       <p:transition spd="med" p14:dur="700">
         <p:fade/>
       </p:transition>
     </mc:Choice>
-    <mc:Fallback>
+    <mc:Fallback xmlns="">
       <p:transition spd="med">
         <p:fade/>
       </p:transition>
@@ -7384,13 +7475,13 @@
   <p:clrMapOvr>
     <a:masterClrMapping/>
   </p:clrMapOvr>
-  <mc:AlternateContent xmlns:mc="http://schemas.openxmlformats.org/markup-compatibility/2006">
-    <mc:Choice xmlns:p159="http://schemas.microsoft.com/office/powerpoint/2015/09/main" Requires="p159">
+  <mc:AlternateContent xmlns:mc="http://schemas.openxmlformats.org/markup-compatibility/2006" xmlns:p159="http://schemas.microsoft.com/office/powerpoint/2015/09/main">
+    <mc:Choice Requires="p159">
       <p:transition xmlns:p14="http://schemas.microsoft.com/office/powerpoint/2010/main" spd="slow" p14:dur="2000">
         <p159:morph option="byObject"/>
       </p:transition>
     </mc:Choice>
-    <mc:Fallback>
+    <mc:Fallback xmlns="">
       <p:transition spd="slow">
         <p:fade/>
       </p:transition>
@@ -7574,13 +7665,13 @@
   <p:clrMapOvr>
     <a:masterClrMapping/>
   </p:clrMapOvr>
-  <mc:AlternateContent xmlns:mc="http://schemas.openxmlformats.org/markup-compatibility/2006">
-    <mc:Choice xmlns:p14="http://schemas.microsoft.com/office/powerpoint/2010/main" Requires="p14">
+  <mc:AlternateContent xmlns:mc="http://schemas.openxmlformats.org/markup-compatibility/2006" xmlns:p14="http://schemas.microsoft.com/office/powerpoint/2010/main">
+    <mc:Choice Requires="p14">
       <p:transition spd="med" p14:dur="700">
         <p:fade/>
       </p:transition>
     </mc:Choice>
-    <mc:Fallback>
+    <mc:Fallback xmlns="">
       <p:transition spd="med">
         <p:fade/>
       </p:transition>
@@ -7729,13 +7820,13 @@
   <p:clrMapOvr>
     <a:masterClrMapping/>
   </p:clrMapOvr>
-  <mc:AlternateContent xmlns:mc="http://schemas.openxmlformats.org/markup-compatibility/2006">
-    <mc:Choice xmlns:p14="http://schemas.microsoft.com/office/powerpoint/2010/main" Requires="p14">
+  <mc:AlternateContent xmlns:mc="http://schemas.openxmlformats.org/markup-compatibility/2006" xmlns:p14="http://schemas.microsoft.com/office/powerpoint/2010/main">
+    <mc:Choice Requires="p14">
       <p:transition spd="med" p14:dur="700">
         <p:fade/>
       </p:transition>
     </mc:Choice>
-    <mc:Fallback>
+    <mc:Fallback xmlns="">
       <p:transition spd="med">
         <p:fade/>
       </p:transition>
